--- a/presentations/4_exploratory_data_analysis/05_2_Explore_data_Rcmdr_7_22_2014.pptx
+++ b/presentations/4_exploratory_data_analysis/05_2_Explore_data_Rcmdr_7_22_2014.pptx
@@ -146,6 +146,22 @@
       </a:defRPr>
     </a:lvl9pPr>
   </p:defaultTextStyle>
+  <p:extLst>
+    <p:ext uri="{EFAFB233-063F-42B5-8137-9DF3F51BA10A}">
+      <p15:sldGuideLst xmlns:p15="http://schemas.microsoft.com/office/powerpoint/2012/main">
+        <p15:guide id="1" orient="horz" pos="2160">
+          <p15:clr>
+            <a:srgbClr val="A4A3A4"/>
+          </p15:clr>
+        </p15:guide>
+        <p15:guide id="2" pos="2880">
+          <p15:clr>
+            <a:srgbClr val="A4A3A4"/>
+          </p15:clr>
+        </p15:guide>
+      </p15:sldGuideLst>
+    </p:ext>
+  </p:extLst>
 </p:presentation>
 </file>
 
@@ -232,7 +248,7 @@
             <a:fld id="{C2A9050B-731F-4DB6-81E5-04865050285D}" type="datetimeFigureOut">
               <a:rPr lang="en-US" smtClean="0"/>
               <a:pPr/>
-              <a:t>7/25/2014</a:t>
+              <a:t>3/10/2017</a:t>
             </a:fld>
             <a:endParaRPr lang="en-US"/>
           </a:p>
@@ -399,7 +415,7 @@
             <a:fld id="{3C259689-2EF4-4523-A6BB-312EA7E58965}" type="datetimeFigureOut">
               <a:rPr lang="en-US" smtClean="0"/>
               <a:pPr/>
-              <a:t>7/25/2014</a:t>
+              <a:t>3/10/2017</a:t>
             </a:fld>
             <a:endParaRPr lang="en-US"/>
           </a:p>
@@ -766,6 +782,11 @@
         </p:txBody>
       </p:sp>
     </p:spTree>
+    <p:extLst>
+      <p:ext uri="{BB962C8B-B14F-4D97-AF65-F5344CB8AC3E}">
+        <p14:creationId xmlns:p14="http://schemas.microsoft.com/office/powerpoint/2010/main" val="443292607"/>
+      </p:ext>
+    </p:extLst>
   </p:cSld>
   <p:clrMapOvr>
     <a:masterClrMapping/>
@@ -869,6 +890,11 @@
         </p:txBody>
       </p:sp>
     </p:spTree>
+    <p:extLst>
+      <p:ext uri="{BB962C8B-B14F-4D97-AF65-F5344CB8AC3E}">
+        <p14:creationId xmlns:p14="http://schemas.microsoft.com/office/powerpoint/2010/main" val="1784123333"/>
+      </p:ext>
+    </p:extLst>
   </p:cSld>
   <p:clrMapOvr>
     <a:masterClrMapping/>
@@ -927,6 +953,11 @@
         </p:txBody>
       </p:sp>
     </p:spTree>
+    <p:extLst>
+      <p:ext uri="{BB962C8B-B14F-4D97-AF65-F5344CB8AC3E}">
+        <p14:creationId xmlns:p14="http://schemas.microsoft.com/office/powerpoint/2010/main" val="2453891200"/>
+      </p:ext>
+    </p:extLst>
   </p:cSld>
   <p:clrMapOvr>
     <a:masterClrMapping/>
@@ -1122,7 +1153,7 @@
                 </a:solidFill>
               </a:rPr>
               <a:pPr/>
-              <a:t>7/25/2014</a:t>
+              <a:t>3/10/2017</a:t>
             </a:fld>
             <a:endParaRPr lang="en-US" dirty="0">
               <a:solidFill>
@@ -1319,7 +1350,7 @@
                 </a:solidFill>
               </a:rPr>
               <a:pPr/>
-              <a:t>7/25/2014</a:t>
+              <a:t>3/10/2017</a:t>
             </a:fld>
             <a:endParaRPr lang="en-US" dirty="0">
               <a:solidFill>
@@ -1526,7 +1557,7 @@
                 </a:solidFill>
               </a:rPr>
               <a:pPr/>
-              <a:t>7/25/2014</a:t>
+              <a:t>3/10/2017</a:t>
             </a:fld>
             <a:endParaRPr lang="en-US" dirty="0">
               <a:solidFill>
@@ -1801,7 +1832,7 @@
                 </a:solidFill>
               </a:rPr>
               <a:pPr/>
-              <a:t>7/25/2014</a:t>
+              <a:t>3/10/2017</a:t>
             </a:fld>
             <a:endParaRPr lang="en-US">
               <a:solidFill>
@@ -2003,7 +2034,7 @@
                 </a:solidFill>
               </a:rPr>
               <a:pPr/>
-              <a:t>7/25/2014</a:t>
+              <a:t>3/10/2017</a:t>
             </a:fld>
             <a:endParaRPr lang="en-US">
               <a:solidFill>
@@ -2281,7 +2312,7 @@
                 </a:solidFill>
               </a:rPr>
               <a:pPr/>
-              <a:t>7/25/2014</a:t>
+              <a:t>3/10/2017</a:t>
             </a:fld>
             <a:endParaRPr lang="en-US">
               <a:solidFill>
@@ -2601,7 +2632,7 @@
                 </a:solidFill>
               </a:rPr>
               <a:pPr/>
-              <a:t>7/25/2014</a:t>
+              <a:t>3/10/2017</a:t>
             </a:fld>
             <a:endParaRPr lang="en-US">
               <a:solidFill>
@@ -3055,7 +3086,7 @@
                 </a:solidFill>
               </a:rPr>
               <a:pPr/>
-              <a:t>7/25/2014</a:t>
+              <a:t>3/10/2017</a:t>
             </a:fld>
             <a:endParaRPr lang="en-US">
               <a:solidFill>
@@ -3205,7 +3236,7 @@
                 </a:solidFill>
               </a:rPr>
               <a:pPr/>
-              <a:t>7/25/2014</a:t>
+              <a:t>3/10/2017</a:t>
             </a:fld>
             <a:endParaRPr lang="en-US">
               <a:solidFill>
@@ -3332,7 +3363,7 @@
                 </a:solidFill>
               </a:rPr>
               <a:pPr/>
-              <a:t>7/25/2014</a:t>
+              <a:t>3/10/2017</a:t>
             </a:fld>
             <a:endParaRPr lang="en-US">
               <a:solidFill>
@@ -3641,7 +3672,7 @@
                 </a:solidFill>
               </a:rPr>
               <a:pPr/>
-              <a:t>7/25/2014</a:t>
+              <a:t>3/10/2017</a:t>
             </a:fld>
             <a:endParaRPr lang="en-US">
               <a:solidFill>
@@ -3843,7 +3874,7 @@
                 </a:solidFill>
               </a:rPr>
               <a:pPr/>
-              <a:t>7/25/2014</a:t>
+              <a:t>3/10/2017</a:t>
             </a:fld>
             <a:endParaRPr lang="en-US" dirty="0">
               <a:solidFill>
@@ -4123,7 +4154,7 @@
                 </a:solidFill>
               </a:rPr>
               <a:pPr/>
-              <a:t>7/25/2014</a:t>
+              <a:t>3/10/2017</a:t>
             </a:fld>
             <a:endParaRPr lang="en-US">
               <a:solidFill>
@@ -4325,7 +4356,7 @@
                 </a:solidFill>
               </a:rPr>
               <a:pPr/>
-              <a:t>7/25/2014</a:t>
+              <a:t>3/10/2017</a:t>
             </a:fld>
             <a:endParaRPr lang="en-US">
               <a:solidFill>
@@ -4537,7 +4568,7 @@
                 </a:solidFill>
               </a:rPr>
               <a:pPr/>
-              <a:t>7/25/2014</a:t>
+              <a:t>3/10/2017</a:t>
             </a:fld>
             <a:endParaRPr lang="en-US">
               <a:solidFill>
@@ -4817,7 +4848,7 @@
                 </a:solidFill>
               </a:rPr>
               <a:pPr/>
-              <a:t>7/25/2014</a:t>
+              <a:t>3/10/2017</a:t>
             </a:fld>
             <a:endParaRPr lang="en-US">
               <a:solidFill>
@@ -5019,7 +5050,7 @@
                 </a:solidFill>
               </a:rPr>
               <a:pPr/>
-              <a:t>7/25/2014</a:t>
+              <a:t>3/10/2017</a:t>
             </a:fld>
             <a:endParaRPr lang="en-US">
               <a:solidFill>
@@ -5297,7 +5328,7 @@
                 </a:solidFill>
               </a:rPr>
               <a:pPr/>
-              <a:t>7/25/2014</a:t>
+              <a:t>3/10/2017</a:t>
             </a:fld>
             <a:endParaRPr lang="en-US">
               <a:solidFill>
@@ -5617,7 +5648,7 @@
                 </a:solidFill>
               </a:rPr>
               <a:pPr/>
-              <a:t>7/25/2014</a:t>
+              <a:t>3/10/2017</a:t>
             </a:fld>
             <a:endParaRPr lang="en-US">
               <a:solidFill>
@@ -6071,7 +6102,7 @@
                 </a:solidFill>
               </a:rPr>
               <a:pPr/>
-              <a:t>7/25/2014</a:t>
+              <a:t>3/10/2017</a:t>
             </a:fld>
             <a:endParaRPr lang="en-US">
               <a:solidFill>
@@ -6221,7 +6252,7 @@
                 </a:solidFill>
               </a:rPr>
               <a:pPr/>
-              <a:t>7/25/2014</a:t>
+              <a:t>3/10/2017</a:t>
             </a:fld>
             <a:endParaRPr lang="en-US">
               <a:solidFill>
@@ -6348,7 +6379,7 @@
                 </a:solidFill>
               </a:rPr>
               <a:pPr/>
-              <a:t>7/25/2014</a:t>
+              <a:t>3/10/2017</a:t>
             </a:fld>
             <a:endParaRPr lang="en-US">
               <a:solidFill>
@@ -6626,7 +6657,7 @@
                 </a:solidFill>
               </a:rPr>
               <a:pPr/>
-              <a:t>7/25/2014</a:t>
+              <a:t>3/10/2017</a:t>
             </a:fld>
             <a:endParaRPr lang="en-US" dirty="0">
               <a:solidFill>
@@ -6930,7 +6961,7 @@
                 </a:solidFill>
               </a:rPr>
               <a:pPr/>
-              <a:t>7/25/2014</a:t>
+              <a:t>3/10/2017</a:t>
             </a:fld>
             <a:endParaRPr lang="en-US">
               <a:solidFill>
@@ -7215,7 +7246,7 @@
                 </a:solidFill>
               </a:rPr>
               <a:pPr/>
-              <a:t>7/25/2014</a:t>
+              <a:t>3/10/2017</a:t>
             </a:fld>
             <a:endParaRPr lang="en-US">
               <a:solidFill>
@@ -7417,7 +7448,7 @@
                 </a:solidFill>
               </a:rPr>
               <a:pPr/>
-              <a:t>7/25/2014</a:t>
+              <a:t>3/10/2017</a:t>
             </a:fld>
             <a:endParaRPr lang="en-US">
               <a:solidFill>
@@ -7629,7 +7660,7 @@
                 </a:solidFill>
               </a:rPr>
               <a:pPr/>
-              <a:t>7/25/2014</a:t>
+              <a:t>3/10/2017</a:t>
             </a:fld>
             <a:endParaRPr lang="en-US">
               <a:solidFill>
@@ -7909,7 +7940,7 @@
                 </a:solidFill>
               </a:rPr>
               <a:pPr/>
-              <a:t>7/25/2014</a:t>
+              <a:t>3/10/2017</a:t>
             </a:fld>
             <a:endParaRPr lang="en-US">
               <a:solidFill>
@@ -8111,7 +8142,7 @@
                 </a:solidFill>
               </a:rPr>
               <a:pPr/>
-              <a:t>7/25/2014</a:t>
+              <a:t>3/10/2017</a:t>
             </a:fld>
             <a:endParaRPr lang="en-US">
               <a:solidFill>
@@ -8389,7 +8420,7 @@
                 </a:solidFill>
               </a:rPr>
               <a:pPr/>
-              <a:t>7/25/2014</a:t>
+              <a:t>3/10/2017</a:t>
             </a:fld>
             <a:endParaRPr lang="en-US">
               <a:solidFill>
@@ -8709,7 +8740,7 @@
                 </a:solidFill>
               </a:rPr>
               <a:pPr/>
-              <a:t>7/25/2014</a:t>
+              <a:t>3/10/2017</a:t>
             </a:fld>
             <a:endParaRPr lang="en-US">
               <a:solidFill>
@@ -9163,7 +9194,7 @@
                 </a:solidFill>
               </a:rPr>
               <a:pPr/>
-              <a:t>7/25/2014</a:t>
+              <a:t>3/10/2017</a:t>
             </a:fld>
             <a:endParaRPr lang="en-US">
               <a:solidFill>
@@ -9313,7 +9344,7 @@
                 </a:solidFill>
               </a:rPr>
               <a:pPr/>
-              <a:t>7/25/2014</a:t>
+              <a:t>3/10/2017</a:t>
             </a:fld>
             <a:endParaRPr lang="en-US">
               <a:solidFill>
@@ -9633,7 +9664,7 @@
                 </a:solidFill>
               </a:rPr>
               <a:pPr/>
-              <a:t>7/25/2014</a:t>
+              <a:t>3/10/2017</a:t>
             </a:fld>
             <a:endParaRPr lang="en-US" dirty="0">
               <a:solidFill>
@@ -9755,7 +9786,7 @@
                 </a:solidFill>
               </a:rPr>
               <a:pPr/>
-              <a:t>7/25/2014</a:t>
+              <a:t>3/10/2017</a:t>
             </a:fld>
             <a:endParaRPr lang="en-US">
               <a:solidFill>
@@ -10064,7 +10095,7 @@
                 </a:solidFill>
               </a:rPr>
               <a:pPr/>
-              <a:t>7/25/2014</a:t>
+              <a:t>3/10/2017</a:t>
             </a:fld>
             <a:endParaRPr lang="en-US">
               <a:solidFill>
@@ -10349,7 +10380,7 @@
                 </a:solidFill>
               </a:rPr>
               <a:pPr/>
-              <a:t>7/25/2014</a:t>
+              <a:t>3/10/2017</a:t>
             </a:fld>
             <a:endParaRPr lang="en-US">
               <a:solidFill>
@@ -10551,7 +10582,7 @@
                 </a:solidFill>
               </a:rPr>
               <a:pPr/>
-              <a:t>7/25/2014</a:t>
+              <a:t>3/10/2017</a:t>
             </a:fld>
             <a:endParaRPr lang="en-US">
               <a:solidFill>
@@ -10763,7 +10794,7 @@
                 </a:solidFill>
               </a:rPr>
               <a:pPr/>
-              <a:t>7/25/2014</a:t>
+              <a:t>3/10/2017</a:t>
             </a:fld>
             <a:endParaRPr lang="en-US">
               <a:solidFill>
@@ -11217,7 +11248,7 @@
                 </a:solidFill>
               </a:rPr>
               <a:pPr/>
-              <a:t>7/25/2014</a:t>
+              <a:t>3/10/2017</a:t>
             </a:fld>
             <a:endParaRPr lang="en-US" dirty="0">
               <a:solidFill>
@@ -11362,7 +11393,7 @@
                 </a:solidFill>
               </a:rPr>
               <a:pPr/>
-              <a:t>7/25/2014</a:t>
+              <a:t>3/10/2017</a:t>
             </a:fld>
             <a:endParaRPr lang="en-US" dirty="0">
               <a:solidFill>
@@ -11484,7 +11515,7 @@
                 </a:solidFill>
               </a:rPr>
               <a:pPr/>
-              <a:t>7/25/2014</a:t>
+              <a:t>3/10/2017</a:t>
             </a:fld>
             <a:endParaRPr lang="en-US" dirty="0">
               <a:solidFill>
@@ -11788,7 +11819,7 @@
                 </a:solidFill>
               </a:rPr>
               <a:pPr/>
-              <a:t>7/25/2014</a:t>
+              <a:t>3/10/2017</a:t>
             </a:fld>
             <a:endParaRPr lang="en-US" dirty="0">
               <a:solidFill>
@@ -12068,7 +12099,7 @@
                 </a:solidFill>
               </a:rPr>
               <a:pPr/>
-              <a:t>7/25/2014</a:t>
+              <a:t>3/10/2017</a:t>
             </a:fld>
             <a:endParaRPr lang="en-US" dirty="0">
               <a:solidFill>
@@ -12327,7 +12358,7 @@
                   <a:spcPct val="0"/>
                 </a:spcAft>
               </a:pPr>
-              <a:t>7/25/2014</a:t>
+              <a:t>3/10/2017</a:t>
             </a:fld>
             <a:endParaRPr lang="en-US" dirty="0">
               <a:solidFill>
@@ -12891,7 +12922,7 @@
                 </a:solidFill>
               </a:rPr>
               <a:pPr/>
-              <a:t>7/25/2014</a:t>
+              <a:t>3/10/2017</a:t>
             </a:fld>
             <a:endParaRPr lang="en-US">
               <a:solidFill>
@@ -13475,7 +13506,7 @@
                 </a:solidFill>
               </a:rPr>
               <a:pPr/>
-              <a:t>7/25/2014</a:t>
+              <a:t>3/10/2017</a:t>
             </a:fld>
             <a:endParaRPr lang="en-US">
               <a:solidFill>
@@ -14059,7 +14090,7 @@
                 </a:solidFill>
               </a:rPr>
               <a:pPr/>
-              <a:t>7/25/2014</a:t>
+              <a:t>3/10/2017</a:t>
             </a:fld>
             <a:endParaRPr lang="en-US">
               <a:solidFill>
@@ -15106,7 +15137,13 @@
           <p:nvPr/>
         </p:nvPicPr>
         <p:blipFill>
-          <a:blip r:embed="rId2" cstate="print"/>
+          <a:blip r:embed="rId2" cstate="email">
+            <a:extLst>
+              <a:ext uri="{28A0092B-C50C-407E-A947-70E740481C1C}">
+                <a14:useLocalDpi xmlns:a14="http://schemas.microsoft.com/office/drawing/2010/main"/>
+              </a:ext>
+            </a:extLst>
+          </a:blip>
           <a:srcRect/>
           <a:stretch>
             <a:fillRect/>
@@ -15251,11 +15288,7 @@
             </a:r>
             <a:r>
               <a:rPr lang="en-US" dirty="0" smtClean="0"/>
-              <a:t>                                                       </a:t>
-            </a:r>
-            <a:r>
-              <a:rPr lang="en-US" dirty="0" smtClean="0"/>
-              <a:t> </a:t>
+              <a:t>                                                        </a:t>
             </a:r>
             <a:r>
               <a:rPr lang="en-US" sz="2000" dirty="0" err="1" smtClean="0"/>
@@ -15277,11 +15310,7 @@
             </a:pPr>
             <a:r>
               <a:rPr lang="en-US" sz="2000" dirty="0" smtClean="0"/>
-              <a:t>                                                                                            </a:t>
-            </a:r>
-            <a:r>
-              <a:rPr lang="en-US" sz="2000" dirty="0" smtClean="0"/>
-              <a:t>data type as others like   </a:t>
+              <a:t>                                                                                            data type as others like   </a:t>
             </a:r>
           </a:p>
           <a:p>
@@ -15343,10 +15372,10 @@
           <p:nvPr/>
         </p:nvPicPr>
         <p:blipFill>
-          <a:blip r:embed="rId2">
+          <a:blip r:embed="rId2" cstate="email">
             <a:extLst>
               <a:ext uri="{28A0092B-C50C-407E-A947-70E740481C1C}">
-                <a14:useLocalDpi xmlns:a14="http://schemas.microsoft.com/office/drawing/2010/main" val="0"/>
+                <a14:useLocalDpi xmlns:a14="http://schemas.microsoft.com/office/drawing/2010/main"/>
               </a:ext>
             </a:extLst>
           </a:blip>
@@ -15397,10 +15426,10 @@
           <p:nvPr/>
         </p:nvPicPr>
         <p:blipFill>
-          <a:blip r:embed="rId3">
+          <a:blip r:embed="rId3" cstate="email">
             <a:extLst>
               <a:ext uri="{28A0092B-C50C-407E-A947-70E740481C1C}">
-                <a14:useLocalDpi xmlns:a14="http://schemas.microsoft.com/office/drawing/2010/main" val="0"/>
+                <a14:useLocalDpi xmlns:a14="http://schemas.microsoft.com/office/drawing/2010/main"/>
               </a:ext>
             </a:extLst>
           </a:blip>
@@ -15451,10 +15480,10 @@
           <p:nvPr/>
         </p:nvPicPr>
         <p:blipFill>
-          <a:blip r:embed="rId4">
+          <a:blip r:embed="rId4" cstate="email">
             <a:extLst>
               <a:ext uri="{28A0092B-C50C-407E-A947-70E740481C1C}">
-                <a14:useLocalDpi xmlns:a14="http://schemas.microsoft.com/office/drawing/2010/main" val="0"/>
+                <a14:useLocalDpi xmlns:a14="http://schemas.microsoft.com/office/drawing/2010/main"/>
               </a:ext>
             </a:extLst>
           </a:blip>
@@ -15575,7 +15604,7 @@
           <a:blip r:embed="rId2">
             <a:extLst>
               <a:ext uri="{28A0092B-C50C-407E-A947-70E740481C1C}">
-                <a14:useLocalDpi xmlns:a14="http://schemas.microsoft.com/office/drawing/2010/main" val="0"/>
+                <a14:useLocalDpi xmlns:a14="http://schemas.microsoft.com/office/drawing/2010/main"/>
               </a:ext>
             </a:extLst>
           </a:blip>
@@ -15950,7 +15979,7 @@
           <a:blip r:embed="rId2">
             <a:extLst>
               <a:ext uri="{28A0092B-C50C-407E-A947-70E740481C1C}">
-                <a14:useLocalDpi xmlns:a14="http://schemas.microsoft.com/office/drawing/2010/main" val="0"/>
+                <a14:useLocalDpi xmlns:a14="http://schemas.microsoft.com/office/drawing/2010/main"/>
               </a:ext>
             </a:extLst>
           </a:blip>
@@ -16084,11 +16113,7 @@
           <a:p>
             <a:r>
               <a:rPr lang="en-US" dirty="0" smtClean="0"/>
-              <a:t>T</a:t>
-            </a:r>
-            <a:r>
-              <a:rPr lang="en-US" dirty="0" smtClean="0"/>
-              <a:t>he plot is in the </a:t>
+              <a:t>The plot is in the </a:t>
             </a:r>
             <a:r>
               <a:rPr lang="en-US" dirty="0" err="1" smtClean="0"/>
@@ -16113,10 +16138,10 @@
           </p:nvPr>
         </p:nvPicPr>
         <p:blipFill>
-          <a:blip r:embed="rId2">
+          <a:blip r:embed="rId2" cstate="email">
             <a:extLst>
               <a:ext uri="{28A0092B-C50C-407E-A947-70E740481C1C}">
-                <a14:useLocalDpi xmlns:a14="http://schemas.microsoft.com/office/drawing/2010/main" val="0"/>
+                <a14:useLocalDpi xmlns:a14="http://schemas.microsoft.com/office/drawing/2010/main"/>
               </a:ext>
             </a:extLst>
           </a:blip>
@@ -16585,10 +16610,10 @@
           <p:nvPr/>
         </p:nvPicPr>
         <p:blipFill>
-          <a:blip r:embed="rId2">
+          <a:blip r:embed="rId2" cstate="email">
             <a:extLst>
               <a:ext uri="{28A0092B-C50C-407E-A947-70E740481C1C}">
-                <a14:useLocalDpi xmlns:a14="http://schemas.microsoft.com/office/drawing/2010/main" val="0"/>
+                <a14:useLocalDpi xmlns:a14="http://schemas.microsoft.com/office/drawing/2010/main"/>
               </a:ext>
             </a:extLst>
           </a:blip>
@@ -16639,10 +16664,10 @@
           <p:nvPr/>
         </p:nvPicPr>
         <p:blipFill>
-          <a:blip r:embed="rId3">
+          <a:blip r:embed="rId3" cstate="email">
             <a:extLst>
               <a:ext uri="{28A0092B-C50C-407E-A947-70E740481C1C}">
-                <a14:useLocalDpi xmlns:a14="http://schemas.microsoft.com/office/drawing/2010/main" val="0"/>
+                <a14:useLocalDpi xmlns:a14="http://schemas.microsoft.com/office/drawing/2010/main"/>
               </a:ext>
             </a:extLst>
           </a:blip>
@@ -16693,10 +16718,10 @@
           <p:nvPr/>
         </p:nvPicPr>
         <p:blipFill>
-          <a:blip r:embed="rId4">
+          <a:blip r:embed="rId4" cstate="email">
             <a:extLst>
               <a:ext uri="{28A0092B-C50C-407E-A947-70E740481C1C}">
-                <a14:useLocalDpi xmlns:a14="http://schemas.microsoft.com/office/drawing/2010/main" val="0"/>
+                <a14:useLocalDpi xmlns:a14="http://schemas.microsoft.com/office/drawing/2010/main"/>
               </a:ext>
             </a:extLst>
           </a:blip>
@@ -16951,15 +16976,7 @@
             </a:r>
             <a:r>
               <a:rPr lang="en-US" sz="1800" dirty="0" smtClean="0"/>
-              <a:t>as Input rasters and </a:t>
-            </a:r>
-            <a:r>
-              <a:rPr lang="en-US" sz="1800" dirty="0" smtClean="0"/>
-              <a:t>your sample points </a:t>
-            </a:r>
-            <a:r>
-              <a:rPr lang="en-US" sz="1800" dirty="0" smtClean="0"/>
-              <a:t>as</a:t>
+              <a:t>as Input rasters and your sample points as</a:t>
             </a:r>
           </a:p>
           <a:p>
@@ -17040,10 +17057,10 @@
           <p:nvPr/>
         </p:nvPicPr>
         <p:blipFill>
-          <a:blip r:embed="rId3">
+          <a:blip r:embed="rId3" cstate="email">
             <a:extLst>
               <a:ext uri="{28A0092B-C50C-407E-A947-70E740481C1C}">
-                <a14:useLocalDpi xmlns:a14="http://schemas.microsoft.com/office/drawing/2010/main" val="0"/>
+                <a14:useLocalDpi xmlns:a14="http://schemas.microsoft.com/office/drawing/2010/main"/>
               </a:ext>
             </a:extLst>
           </a:blip>
@@ -17097,7 +17114,7 @@
           <a:blip r:embed="rId4">
             <a:extLst>
               <a:ext uri="{28A0092B-C50C-407E-A947-70E740481C1C}">
-                <a14:useLocalDpi xmlns:a14="http://schemas.microsoft.com/office/drawing/2010/main" val="0"/>
+                <a14:useLocalDpi xmlns:a14="http://schemas.microsoft.com/office/drawing/2010/main"/>
               </a:ext>
             </a:extLst>
           </a:blip>
@@ -17279,15 +17296,7 @@
           <a:p>
             <a:r>
               <a:rPr lang="en-US" sz="2000" dirty="0" smtClean="0"/>
-              <a:t>This </a:t>
-            </a:r>
-            <a:r>
-              <a:rPr lang="en-US" sz="2000" dirty="0" smtClean="0"/>
-              <a:t>example shows </a:t>
-            </a:r>
-            <a:r>
-              <a:rPr lang="en-US" sz="2000" dirty="0" smtClean="0"/>
-              <a:t>the corresponding pixel values of slope, plan curvature and wetness index to </a:t>
+              <a:t>This example shows the corresponding pixel values of slope, plan curvature and wetness index to </a:t>
             </a:r>
             <a:r>
               <a:rPr lang="en-US" sz="2000" dirty="0" err="1" smtClean="0"/>
@@ -17319,10 +17328,10 @@
           <p:nvPr/>
         </p:nvPicPr>
         <p:blipFill>
-          <a:blip r:embed="rId3">
+          <a:blip r:embed="rId3" cstate="email">
             <a:extLst>
               <a:ext uri="{28A0092B-C50C-407E-A947-70E740481C1C}">
-                <a14:useLocalDpi xmlns:a14="http://schemas.microsoft.com/office/drawing/2010/main" val="0"/>
+                <a14:useLocalDpi xmlns:a14="http://schemas.microsoft.com/office/drawing/2010/main"/>
               </a:ext>
             </a:extLst>
           </a:blip>
@@ -17708,8 +17717,14 @@
           <p:nvPr/>
         </p:nvPicPr>
         <p:blipFill>
-          <a:blip r:embed="rId2" cstate="print"/>
-          <a:srcRect l="24687" t="22656" r="56251" b="16406"/>
+          <a:blip r:embed="rId2" cstate="email">
+            <a:extLst>
+              <a:ext uri="{28A0092B-C50C-407E-A947-70E740481C1C}">
+                <a14:useLocalDpi xmlns:a14="http://schemas.microsoft.com/office/drawing/2010/main"/>
+              </a:ext>
+            </a:extLst>
+          </a:blip>
+          <a:srcRect/>
           <a:stretch>
             <a:fillRect/>
           </a:stretch>
@@ -18194,7 +18209,7 @@
           <a:blip r:embed="rId2">
             <a:extLst>
               <a:ext uri="{28A0092B-C50C-407E-A947-70E740481C1C}">
-                <a14:useLocalDpi xmlns:a14="http://schemas.microsoft.com/office/drawing/2010/main" val="0"/>
+                <a14:useLocalDpi xmlns:a14="http://schemas.microsoft.com/office/drawing/2010/main"/>
               </a:ext>
             </a:extLst>
           </a:blip>
@@ -18281,10 +18296,10 @@
           <p:nvPr/>
         </p:nvPicPr>
         <p:blipFill>
-          <a:blip r:embed="rId3">
+          <a:blip r:embed="rId3" cstate="email">
             <a:extLst>
               <a:ext uri="{28A0092B-C50C-407E-A947-70E740481C1C}">
-                <a14:useLocalDpi xmlns:a14="http://schemas.microsoft.com/office/drawing/2010/main" val="0"/>
+                <a14:useLocalDpi xmlns:a14="http://schemas.microsoft.com/office/drawing/2010/main"/>
               </a:ext>
             </a:extLst>
           </a:blip>
@@ -18477,7 +18492,7 @@
           <a:blip r:embed="rId2">
             <a:extLst>
               <a:ext uri="{28A0092B-C50C-407E-A947-70E740481C1C}">
-                <a14:useLocalDpi xmlns:a14="http://schemas.microsoft.com/office/drawing/2010/main" val="0"/>
+                <a14:useLocalDpi xmlns:a14="http://schemas.microsoft.com/office/drawing/2010/main"/>
               </a:ext>
             </a:extLst>
           </a:blip>
@@ -20243,7 +20258,13 @@
           </p:nvPr>
         </p:nvPicPr>
         <p:blipFill>
-          <a:blip r:embed="rId2" cstate="print"/>
+          <a:blip r:embed="rId2" cstate="email">
+            <a:extLst>
+              <a:ext uri="{28A0092B-C50C-407E-A947-70E740481C1C}">
+                <a14:useLocalDpi xmlns:a14="http://schemas.microsoft.com/office/drawing/2010/main"/>
+              </a:ext>
+            </a:extLst>
+          </a:blip>
           <a:srcRect/>
           <a:stretch>
             <a:fillRect/>
@@ -20567,7 +20588,7 @@
           <a:blip r:embed="rId2">
             <a:extLst>
               <a:ext uri="{28A0092B-C50C-407E-A947-70E740481C1C}">
-                <a14:useLocalDpi xmlns:a14="http://schemas.microsoft.com/office/drawing/2010/main" val="0"/>
+                <a14:useLocalDpi xmlns:a14="http://schemas.microsoft.com/office/drawing/2010/main"/>
               </a:ext>
             </a:extLst>
           </a:blip>
@@ -21604,10 +21625,10 @@
           <p:nvPr/>
         </p:nvPicPr>
         <p:blipFill>
-          <a:blip r:embed="rId2">
+          <a:blip r:embed="rId2" cstate="email">
             <a:extLst>
               <a:ext uri="{28A0092B-C50C-407E-A947-70E740481C1C}">
-                <a14:useLocalDpi xmlns:a14="http://schemas.microsoft.com/office/drawing/2010/main" val="0"/>
+                <a14:useLocalDpi xmlns:a14="http://schemas.microsoft.com/office/drawing/2010/main"/>
               </a:ext>
             </a:extLst>
           </a:blip>
@@ -21658,10 +21679,10 @@
           <p:nvPr/>
         </p:nvPicPr>
         <p:blipFill>
-          <a:blip r:embed="rId3">
+          <a:blip r:embed="rId3" cstate="email">
             <a:extLst>
               <a:ext uri="{28A0092B-C50C-407E-A947-70E740481C1C}">
-                <a14:useLocalDpi xmlns:a14="http://schemas.microsoft.com/office/drawing/2010/main" val="0"/>
+                <a14:useLocalDpi xmlns:a14="http://schemas.microsoft.com/office/drawing/2010/main"/>
               </a:ext>
             </a:extLst>
           </a:blip>
@@ -22003,7 +22024,7 @@
           <a:blip r:embed="rId2">
             <a:extLst>
               <a:ext uri="{28A0092B-C50C-407E-A947-70E740481C1C}">
-                <a14:useLocalDpi xmlns:a14="http://schemas.microsoft.com/office/drawing/2010/main" val="0"/>
+                <a14:useLocalDpi xmlns:a14="http://schemas.microsoft.com/office/drawing/2010/main"/>
               </a:ext>
             </a:extLst>
           </a:blip>
@@ -22178,10 +22199,10 @@
           <p:nvPr/>
         </p:nvPicPr>
         <p:blipFill>
-          <a:blip r:embed="rId2">
+          <a:blip r:embed="rId2" cstate="email">
             <a:extLst>
               <a:ext uri="{28A0092B-C50C-407E-A947-70E740481C1C}">
-                <a14:useLocalDpi xmlns:a14="http://schemas.microsoft.com/office/drawing/2010/main" val="0"/>
+                <a14:useLocalDpi xmlns:a14="http://schemas.microsoft.com/office/drawing/2010/main"/>
               </a:ext>
             </a:extLst>
           </a:blip>
@@ -22232,10 +22253,10 @@
           <p:nvPr/>
         </p:nvPicPr>
         <p:blipFill>
-          <a:blip r:embed="rId3">
+          <a:blip r:embed="rId3" cstate="email">
             <a:extLst>
               <a:ext uri="{28A0092B-C50C-407E-A947-70E740481C1C}">
-                <a14:useLocalDpi xmlns:a14="http://schemas.microsoft.com/office/drawing/2010/main" val="0"/>
+                <a14:useLocalDpi xmlns:a14="http://schemas.microsoft.com/office/drawing/2010/main"/>
               </a:ext>
             </a:extLst>
           </a:blip>
@@ -22476,7 +22497,7 @@
           <a:blip r:embed="rId2">
             <a:extLst>
               <a:ext uri="{28A0092B-C50C-407E-A947-70E740481C1C}">
-                <a14:useLocalDpi xmlns:a14="http://schemas.microsoft.com/office/drawing/2010/main" val="0"/>
+                <a14:useLocalDpi xmlns:a14="http://schemas.microsoft.com/office/drawing/2010/main"/>
               </a:ext>
             </a:extLst>
           </a:blip>
@@ -22937,14 +22958,14 @@
           <p:nvPr/>
         </p:nvPicPr>
         <p:blipFill rotWithShape="1">
-          <a:blip r:embed="rId2" cstate="print">
+          <a:blip r:embed="rId2" cstate="email">
             <a:extLst>
               <a:ext uri="{28A0092B-C50C-407E-A947-70E740481C1C}">
-                <a14:useLocalDpi xmlns:a14="http://schemas.microsoft.com/office/drawing/2010/main" val="0"/>
+                <a14:useLocalDpi xmlns:a14="http://schemas.microsoft.com/office/drawing/2010/main"/>
               </a:ext>
             </a:extLst>
           </a:blip>
-          <a:srcRect l="41667" r="46163" b="73086"/>
+          <a:srcRect/>
           <a:stretch/>
         </p:blipFill>
         <p:spPr bwMode="auto">
@@ -22999,10 +23020,10 @@
           <p:nvPr/>
         </p:nvPicPr>
         <p:blipFill>
-          <a:blip r:embed="rId3" cstate="print">
+          <a:blip r:embed="rId3" cstate="email">
             <a:extLst>
               <a:ext uri="{28A0092B-C50C-407E-A947-70E740481C1C}">
-                <a14:useLocalDpi xmlns:a14="http://schemas.microsoft.com/office/drawing/2010/main" val="0"/>
+                <a14:useLocalDpi xmlns:a14="http://schemas.microsoft.com/office/drawing/2010/main"/>
               </a:ext>
             </a:extLst>
           </a:blip>
@@ -23418,14 +23439,14 @@
           <p:nvPr/>
         </p:nvPicPr>
         <p:blipFill rotWithShape="1">
-          <a:blip r:embed="rId2" cstate="print">
+          <a:blip r:embed="rId2" cstate="email">
             <a:extLst>
               <a:ext uri="{28A0092B-C50C-407E-A947-70E740481C1C}">
-                <a14:useLocalDpi xmlns:a14="http://schemas.microsoft.com/office/drawing/2010/main" val="0"/>
+                <a14:useLocalDpi xmlns:a14="http://schemas.microsoft.com/office/drawing/2010/main"/>
               </a:ext>
             </a:extLst>
           </a:blip>
-          <a:srcRect l="41460" r="44445" b="66375"/>
+          <a:srcRect/>
           <a:stretch/>
         </p:blipFill>
         <p:spPr bwMode="auto">
@@ -23480,10 +23501,10 @@
           <p:nvPr/>
         </p:nvPicPr>
         <p:blipFill>
-          <a:blip r:embed="rId3" cstate="print">
+          <a:blip r:embed="rId3" cstate="email">
             <a:extLst>
               <a:ext uri="{28A0092B-C50C-407E-A947-70E740481C1C}">
-                <a14:useLocalDpi xmlns:a14="http://schemas.microsoft.com/office/drawing/2010/main" val="0"/>
+                <a14:useLocalDpi xmlns:a14="http://schemas.microsoft.com/office/drawing/2010/main"/>
               </a:ext>
             </a:extLst>
           </a:blip>
@@ -23535,10 +23556,10 @@
           <p:nvPr/>
         </p:nvPicPr>
         <p:blipFill>
-          <a:blip r:embed="rId4" cstate="print">
+          <a:blip r:embed="rId4" cstate="email">
             <a:extLst>
               <a:ext uri="{28A0092B-C50C-407E-A947-70E740481C1C}">
-                <a14:useLocalDpi xmlns:a14="http://schemas.microsoft.com/office/drawing/2010/main" val="0"/>
+                <a14:useLocalDpi xmlns:a14="http://schemas.microsoft.com/office/drawing/2010/main"/>
               </a:ext>
             </a:extLst>
           </a:blip>
@@ -24021,10 +24042,10 @@
           <p:nvPr/>
         </p:nvPicPr>
         <p:blipFill>
-          <a:blip r:embed="rId2" cstate="print">
+          <a:blip r:embed="rId2" cstate="email">
             <a:extLst>
               <a:ext uri="{28A0092B-C50C-407E-A947-70E740481C1C}">
-                <a14:useLocalDpi xmlns:a14="http://schemas.microsoft.com/office/drawing/2010/main" val="0"/>
+                <a14:useLocalDpi xmlns:a14="http://schemas.microsoft.com/office/drawing/2010/main"/>
               </a:ext>
             </a:extLst>
           </a:blip>
@@ -24054,7 +24075,7 @@
           <a:blip r:embed="rId3" cstate="print">
             <a:extLst>
               <a:ext uri="{28A0092B-C50C-407E-A947-70E740481C1C}">
-                <a14:useLocalDpi xmlns:a14="http://schemas.microsoft.com/office/drawing/2010/main" val="0"/>
+                <a14:useLocalDpi xmlns:a14="http://schemas.microsoft.com/office/drawing/2010/main"/>
               </a:ext>
             </a:extLst>
           </a:blip>
@@ -24151,7 +24172,6 @@
               <a:rPr lang="en-US" dirty="0"/>
               <a:t>The data to be input into R is developed using the Extract Multi Values to Points command in ArcGIS, which is described in the Appendix of this module</a:t>
             </a:r>
-            <a:endParaRPr lang="en-US" dirty="0"/>
           </a:p>
         </p:txBody>
       </p:sp>
@@ -24164,7 +24184,13 @@
           <p:nvPr/>
         </p:nvPicPr>
         <p:blipFill>
-          <a:blip r:embed="rId2" cstate="print"/>
+          <a:blip r:embed="rId2" cstate="email">
+            <a:extLst>
+              <a:ext uri="{28A0092B-C50C-407E-A947-70E740481C1C}">
+                <a14:useLocalDpi xmlns:a14="http://schemas.microsoft.com/office/drawing/2010/main"/>
+              </a:ext>
+            </a:extLst>
+          </a:blip>
           <a:srcRect/>
           <a:stretch>
             <a:fillRect/>
@@ -24370,7 +24396,13 @@
           <p:nvPr/>
         </p:nvPicPr>
         <p:blipFill>
-          <a:blip r:embed="rId2" cstate="print"/>
+          <a:blip r:embed="rId2" cstate="email">
+            <a:extLst>
+              <a:ext uri="{28A0092B-C50C-407E-A947-70E740481C1C}">
+                <a14:useLocalDpi xmlns:a14="http://schemas.microsoft.com/office/drawing/2010/main"/>
+              </a:ext>
+            </a:extLst>
+          </a:blip>
           <a:srcRect/>
           <a:stretch>
             <a:fillRect/>
@@ -24402,7 +24434,13 @@
           <p:nvPr/>
         </p:nvPicPr>
         <p:blipFill>
-          <a:blip r:embed="rId3" cstate="print"/>
+          <a:blip r:embed="rId3" cstate="email">
+            <a:extLst>
+              <a:ext uri="{28A0092B-C50C-407E-A947-70E740481C1C}">
+                <a14:useLocalDpi xmlns:a14="http://schemas.microsoft.com/office/drawing/2010/main"/>
+              </a:ext>
+            </a:extLst>
+          </a:blip>
           <a:srcRect/>
           <a:stretch>
             <a:fillRect/>
